--- a/images/draftsim_impact.pptx
+++ b/images/draftsim_impact.pptx
@@ -3904,7 +3904,7 @@
         </p:nvSpPr>
         <p:spPr>
           <a:xfrm>
-            <a:off x="5506558" y="2902879"/>
+            <a:off x="881218" y="2960558"/>
             <a:ext cx="7332949" cy="2179792"/>
           </a:xfrm>
         </p:spPr>
@@ -4013,10 +4013,10 @@
           <a:lstStyle/>
           <a:p>
             <a:r>
-              <a:rPr lang="en-US" dirty="0" smtClean="0"/>
+              <a:rPr lang="en-US" b="1" dirty="0" smtClean="0"/>
               <a:t>Community Impact</a:t>
             </a:r>
-            <a:endParaRPr lang="en-US" dirty="0"/>
+            <a:endParaRPr lang="en-US" b="1" dirty="0"/>
           </a:p>
         </p:txBody>
       </p:sp>
@@ -4028,7 +4028,7 @@
         </p:nvSpPr>
         <p:spPr>
           <a:xfrm>
-            <a:off x="5506558" y="4405151"/>
+            <a:off x="881218" y="4386456"/>
             <a:ext cx="6143189" cy="1647759"/>
           </a:xfrm>
           <a:prstGeom prst="rect">
@@ -4144,8 +4144,8 @@
         </p:blipFill>
         <p:spPr>
           <a:xfrm>
-            <a:off x="622104" y="2902879"/>
-            <a:ext cx="4795098" cy="1729530"/>
+            <a:off x="6955323" y="2806267"/>
+            <a:ext cx="4379595" cy="1579663"/>
           </a:xfrm>
           <a:prstGeom prst="rect">
             <a:avLst/>
@@ -4154,7 +4154,7 @@
       </p:pic>
       <p:pic>
         <p:nvPicPr>
-          <p:cNvPr id="16" name="Picture 15"/>
+          <p:cNvPr id="17" name="Picture 16"/>
           <p:cNvPicPr>
             <a:picLocks noChangeAspect="1"/>
           </p:cNvPicPr>
@@ -4168,8 +4168,8 @@
         </p:blipFill>
         <p:spPr>
           <a:xfrm>
-            <a:off x="622104" y="4940995"/>
-            <a:ext cx="4839444" cy="741747"/>
+            <a:off x="7024407" y="4474629"/>
+            <a:ext cx="4241426" cy="1630409"/>
           </a:xfrm>
           <a:prstGeom prst="rect">
             <a:avLst/>

--- a/images/draftsim_impact.pptx
+++ b/images/draftsim_impact.pptx
@@ -6,6 +6,9 @@
   </p:sldMasterIdLst>
   <p:sldIdLst>
     <p:sldId id="273" r:id="rId2"/>
+    <p:sldId id="276" r:id="rId3"/>
+    <p:sldId id="274" r:id="rId4"/>
+    <p:sldId id="275" r:id="rId5"/>
   </p:sldIdLst>
   <p:sldSz cx="12192000" cy="6858000"/>
   <p:notesSz cx="6858000" cy="9144000"/>
@@ -342,7 +345,7 @@
           <a:p>
             <a:fld id="{AC8B4266-349D-4E62-BAAC-A62DC5FF5CEE}" type="datetimeFigureOut">
               <a:rPr lang="en-US" smtClean="0"/>
-              <a:t>2/13/2018</a:t>
+              <a:t>2/14/2018</a:t>
             </a:fld>
             <a:endParaRPr lang="en-US"/>
           </a:p>
@@ -550,7 +553,7 @@
           <a:p>
             <a:fld id="{AC8B4266-349D-4E62-BAAC-A62DC5FF5CEE}" type="datetimeFigureOut">
               <a:rPr lang="en-US" smtClean="0"/>
-              <a:t>2/13/2018</a:t>
+              <a:t>2/14/2018</a:t>
             </a:fld>
             <a:endParaRPr lang="en-US"/>
           </a:p>
@@ -806,7 +809,7 @@
           <a:p>
             <a:fld id="{AC8B4266-349D-4E62-BAAC-A62DC5FF5CEE}" type="datetimeFigureOut">
               <a:rPr lang="en-US" smtClean="0"/>
-              <a:t>2/13/2018</a:t>
+              <a:t>2/14/2018</a:t>
             </a:fld>
             <a:endParaRPr lang="en-US"/>
           </a:p>
@@ -978,7 +981,7 @@
           <a:p>
             <a:fld id="{AC8B4266-349D-4E62-BAAC-A62DC5FF5CEE}" type="datetimeFigureOut">
               <a:rPr lang="en-US" smtClean="0"/>
-              <a:t>2/13/2018</a:t>
+              <a:t>2/14/2018</a:t>
             </a:fld>
             <a:endParaRPr lang="en-US"/>
           </a:p>
@@ -1321,7 +1324,7 @@
           <a:p>
             <a:fld id="{AC8B4266-349D-4E62-BAAC-A62DC5FF5CEE}" type="datetimeFigureOut">
               <a:rPr lang="en-US" smtClean="0"/>
-              <a:t>2/13/2018</a:t>
+              <a:t>2/14/2018</a:t>
             </a:fld>
             <a:endParaRPr lang="en-US"/>
           </a:p>
@@ -1596,7 +1599,7 @@
           <a:p>
             <a:fld id="{AC8B4266-349D-4E62-BAAC-A62DC5FF5CEE}" type="datetimeFigureOut">
               <a:rPr lang="en-US" smtClean="0"/>
-              <a:t>2/13/2018</a:t>
+              <a:t>2/14/2018</a:t>
             </a:fld>
             <a:endParaRPr lang="en-US"/>
           </a:p>
@@ -1975,7 +1978,7 @@
           <a:p>
             <a:fld id="{AC8B4266-349D-4E62-BAAC-A62DC5FF5CEE}" type="datetimeFigureOut">
               <a:rPr lang="en-US" smtClean="0"/>
-              <a:t>2/13/2018</a:t>
+              <a:t>2/14/2018</a:t>
             </a:fld>
             <a:endParaRPr lang="en-US"/>
           </a:p>
@@ -2093,7 +2096,7 @@
           <a:p>
             <a:fld id="{AC8B4266-349D-4E62-BAAC-A62DC5FF5CEE}" type="datetimeFigureOut">
               <a:rPr lang="en-US" smtClean="0"/>
-              <a:t>2/13/2018</a:t>
+              <a:t>2/14/2018</a:t>
             </a:fld>
             <a:endParaRPr lang="en-US"/>
           </a:p>
@@ -2264,7 +2267,7 @@
           <a:p>
             <a:fld id="{AC8B4266-349D-4E62-BAAC-A62DC5FF5CEE}" type="datetimeFigureOut">
               <a:rPr lang="en-US" smtClean="0"/>
-              <a:t>2/13/2018</a:t>
+              <a:t>2/14/2018</a:t>
             </a:fld>
             <a:endParaRPr lang="en-US"/>
           </a:p>
@@ -2618,7 +2621,7 @@
           <a:p>
             <a:fld id="{AC8B4266-349D-4E62-BAAC-A62DC5FF5CEE}" type="datetimeFigureOut">
               <a:rPr lang="en-US" smtClean="0"/>
-              <a:t>2/13/2018</a:t>
+              <a:t>2/14/2018</a:t>
             </a:fld>
             <a:endParaRPr lang="en-US"/>
           </a:p>
@@ -2925,7 +2928,7 @@
           <a:p>
             <a:fld id="{AC8B4266-349D-4E62-BAAC-A62DC5FF5CEE}" type="datetimeFigureOut">
               <a:rPr lang="en-US" smtClean="0"/>
-              <a:t>2/13/2018</a:t>
+              <a:t>2/14/2018</a:t>
             </a:fld>
             <a:endParaRPr lang="en-US"/>
           </a:p>
@@ -3212,7 +3215,7 @@
           <a:p>
             <a:fld id="{AC8B4266-349D-4E62-BAAC-A62DC5FF5CEE}" type="datetimeFigureOut">
               <a:rPr lang="en-US" smtClean="0"/>
-              <a:t>2/13/2018</a:t>
+              <a:t>2/14/2018</a:t>
             </a:fld>
             <a:endParaRPr lang="en-US"/>
           </a:p>
@@ -4189,6 +4192,1531 @@
 </p:sld>
 </file>
 
+<file path=ppt/slides/slide2.xml><?xml version="1.0" encoding="utf-8"?>
+<p:sld xmlns:a="http://schemas.openxmlformats.org/drawingml/2006/main" xmlns:r="http://schemas.openxmlformats.org/officeDocument/2006/relationships" xmlns:p="http://schemas.openxmlformats.org/presentationml/2006/main">
+  <p:cSld>
+    <p:spTree>
+      <p:nvGrpSpPr>
+        <p:cNvPr id="1" name=""/>
+        <p:cNvGrpSpPr/>
+        <p:nvPr/>
+      </p:nvGrpSpPr>
+      <p:grpSpPr>
+        <a:xfrm>
+          <a:off x="0" y="0"/>
+          <a:ext cx="0" cy="0"/>
+          <a:chOff x="0" y="0"/>
+          <a:chExt cx="0" cy="0"/>
+        </a:xfrm>
+      </p:grpSpPr>
+      <p:pic>
+        <p:nvPicPr>
+          <p:cNvPr id="9" name="Picture 8">
+            <a:extLst>
+              <a:ext uri="{FF2B5EF4-FFF2-40B4-BE49-F238E27FC236}">
+                <a16:creationId xmlns:a16="http://schemas.microsoft.com/office/drawing/2014/main" xmlns="" id="{0B75BAC4-2C4F-4827-9591-8B3D3255401A}"/>
+              </a:ext>
+            </a:extLst>
+          </p:cNvPr>
+          <p:cNvPicPr>
+            <a:picLocks noChangeAspect="1"/>
+          </p:cNvPicPr>
+          <p:nvPr/>
+        </p:nvPicPr>
+        <p:blipFill>
+          <a:blip r:embed="rId2"/>
+          <a:stretch>
+            <a:fillRect/>
+          </a:stretch>
+        </p:blipFill>
+        <p:spPr>
+          <a:xfrm>
+            <a:off x="5817610" y="116031"/>
+            <a:ext cx="2634020" cy="1169182"/>
+          </a:xfrm>
+          <a:prstGeom prst="rect">
+            <a:avLst/>
+          </a:prstGeom>
+        </p:spPr>
+      </p:pic>
+      <p:pic>
+        <p:nvPicPr>
+          <p:cNvPr id="10" name="Picture 9">
+            <a:extLst>
+              <a:ext uri="{FF2B5EF4-FFF2-40B4-BE49-F238E27FC236}">
+                <a16:creationId xmlns:a16="http://schemas.microsoft.com/office/drawing/2014/main" xmlns="" id="{49E4437F-619B-406C-8678-6A030A9B1817}"/>
+              </a:ext>
+            </a:extLst>
+          </p:cNvPr>
+          <p:cNvPicPr>
+            <a:picLocks noChangeAspect="1"/>
+          </p:cNvPicPr>
+          <p:nvPr/>
+        </p:nvPicPr>
+        <p:blipFill>
+          <a:blip r:embed="rId3"/>
+          <a:stretch>
+            <a:fillRect/>
+          </a:stretch>
+        </p:blipFill>
+        <p:spPr>
+          <a:xfrm>
+            <a:off x="131707" y="310073"/>
+            <a:ext cx="5620331" cy="604689"/>
+          </a:xfrm>
+          <a:prstGeom prst="rect">
+            <a:avLst/>
+          </a:prstGeom>
+        </p:spPr>
+      </p:pic>
+      <p:pic>
+        <p:nvPicPr>
+          <p:cNvPr id="12" name="Picture 11">
+            <a:extLst>
+              <a:ext uri="{FF2B5EF4-FFF2-40B4-BE49-F238E27FC236}">
+                <a16:creationId xmlns:a16="http://schemas.microsoft.com/office/drawing/2014/main" xmlns="" id="{2A5265E6-FA0F-4F2C-9EE9-A221E6E0A707}"/>
+              </a:ext>
+            </a:extLst>
+          </p:cNvPr>
+          <p:cNvPicPr>
+            <a:picLocks noChangeAspect="1"/>
+          </p:cNvPicPr>
+          <p:nvPr/>
+        </p:nvPicPr>
+        <p:blipFill>
+          <a:blip r:embed="rId4"/>
+          <a:stretch>
+            <a:fillRect/>
+          </a:stretch>
+        </p:blipFill>
+        <p:spPr>
+          <a:xfrm>
+            <a:off x="131707" y="-3759606"/>
+            <a:ext cx="11963683" cy="4312995"/>
+          </a:xfrm>
+          <a:prstGeom prst="rect">
+            <a:avLst/>
+          </a:prstGeom>
+        </p:spPr>
+      </p:pic>
+      <p:sp>
+        <p:nvSpPr>
+          <p:cNvPr id="13" name="Content Placeholder 2">
+            <a:extLst>
+              <a:ext uri="{FF2B5EF4-FFF2-40B4-BE49-F238E27FC236}">
+                <a16:creationId xmlns:a16="http://schemas.microsoft.com/office/drawing/2014/main" xmlns="" id="{582AA60C-0320-4E7B-8002-C5F0FFDC839B}"/>
+              </a:ext>
+            </a:extLst>
+          </p:cNvPr>
+          <p:cNvSpPr>
+            <a:spLocks noGrp="1"/>
+          </p:cNvSpPr>
+          <p:nvPr>
+            <p:ph idx="1"/>
+          </p:nvPr>
+        </p:nvSpPr>
+        <p:spPr>
+          <a:xfrm>
+            <a:off x="881218" y="2960558"/>
+            <a:ext cx="7332949" cy="2179792"/>
+          </a:xfrm>
+        </p:spPr>
+        <p:txBody>
+          <a:bodyPr>
+            <a:normAutofit/>
+          </a:bodyPr>
+          <a:lstStyle/>
+          <a:p>
+            <a:pPr>
+              <a:buFont typeface="Arial" panose="020B0604020202020204" pitchFamily="34" charset="0"/>
+              <a:buChar char="•"/>
+            </a:pPr>
+            <a:r>
+              <a:rPr lang="en-US" sz="1900" b="1" dirty="0" smtClean="0"/>
+              <a:t> 250,000+</a:t>
+            </a:r>
+            <a:r>
+              <a:rPr lang="en-US" sz="1900" dirty="0" smtClean="0"/>
+              <a:t> </a:t>
+            </a:r>
+            <a:r>
+              <a:rPr lang="en-US" sz="1900" dirty="0"/>
+              <a:t>unique visitors from </a:t>
+            </a:r>
+            <a:r>
+              <a:rPr lang="en-US" sz="1900" b="1" dirty="0"/>
+              <a:t>170+</a:t>
+            </a:r>
+            <a:r>
+              <a:rPr lang="en-US" sz="1900" dirty="0"/>
+              <a:t> countries in 2017</a:t>
+            </a:r>
+          </a:p>
+          <a:p>
+            <a:pPr>
+              <a:buFont typeface="Arial" panose="020B0604020202020204" pitchFamily="34" charset="0"/>
+              <a:buChar char="•"/>
+            </a:pPr>
+            <a:r>
+              <a:rPr lang="en-US" sz="1900" b="1" dirty="0" smtClean="0"/>
+              <a:t> 1.6 </a:t>
+            </a:r>
+            <a:r>
+              <a:rPr lang="en-US" sz="1900" b="1" dirty="0"/>
+              <a:t>million </a:t>
+            </a:r>
+            <a:r>
+              <a:rPr lang="en-US" sz="1900" dirty="0" smtClean="0"/>
+              <a:t>sessions with average duration 12 minutes</a:t>
+            </a:r>
+          </a:p>
+          <a:p>
+            <a:pPr>
+              <a:buFont typeface="Arial" panose="020B0604020202020204" pitchFamily="34" charset="0"/>
+              <a:buChar char="•"/>
+            </a:pPr>
+            <a:r>
+              <a:rPr lang="en-US" sz="1900" dirty="0" smtClean="0"/>
+              <a:t> Loyal </a:t>
+            </a:r>
+            <a:r>
+              <a:rPr lang="en-US" sz="1900" dirty="0"/>
+              <a:t>and dedicated fanbase – only </a:t>
+            </a:r>
+            <a:r>
+              <a:rPr lang="en-US" sz="1900" b="1" dirty="0"/>
+              <a:t>16.01%</a:t>
+            </a:r>
+            <a:r>
+              <a:rPr lang="en-US" sz="1900" dirty="0"/>
+              <a:t> new </a:t>
+            </a:r>
+            <a:r>
+              <a:rPr lang="en-US" sz="1900" dirty="0" smtClean="0"/>
+              <a:t>sessions</a:t>
+            </a:r>
+            <a:endParaRPr lang="en-US" sz="1900" dirty="0"/>
+          </a:p>
+        </p:txBody>
+      </p:sp>
+      <p:sp>
+        <p:nvSpPr>
+          <p:cNvPr id="14" name="Title 1">
+            <a:extLst>
+              <a:ext uri="{FF2B5EF4-FFF2-40B4-BE49-F238E27FC236}">
+                <a16:creationId xmlns:a16="http://schemas.microsoft.com/office/drawing/2014/main" xmlns="" id="{9FE7747C-97C2-46BC-BE13-40595E1330B7}"/>
+              </a:ext>
+            </a:extLst>
+          </p:cNvPr>
+          <p:cNvSpPr>
+            <a:spLocks noGrp="1"/>
+          </p:cNvSpPr>
+          <p:nvPr>
+            <p:ph type="title"/>
+          </p:nvPr>
+        </p:nvSpPr>
+        <p:spPr>
+          <a:xfrm>
+            <a:off x="881218" y="1354984"/>
+            <a:ext cx="10058400" cy="1450757"/>
+          </a:xfrm>
+        </p:spPr>
+        <p:txBody>
+          <a:bodyPr>
+            <a:normAutofit/>
+          </a:bodyPr>
+          <a:lstStyle/>
+          <a:p>
+            <a:r>
+              <a:rPr lang="en-US" sz="4400" b="1" dirty="0" smtClean="0"/>
+              <a:t>Community Impact</a:t>
+            </a:r>
+            <a:endParaRPr lang="en-US" sz="4400" b="1" dirty="0"/>
+          </a:p>
+        </p:txBody>
+      </p:sp>
+      <p:sp>
+        <p:nvSpPr>
+          <p:cNvPr id="11" name="Rectangle 10"/>
+          <p:cNvSpPr/>
+          <p:nvPr/>
+        </p:nvSpPr>
+        <p:spPr>
+          <a:xfrm>
+            <a:off x="881218" y="4480094"/>
+            <a:ext cx="6143189" cy="1248803"/>
+          </a:xfrm>
+          <a:prstGeom prst="rect">
+            <a:avLst/>
+          </a:prstGeom>
+        </p:spPr>
+        <p:txBody>
+          <a:bodyPr wrap="square">
+            <a:spAutoFit/>
+          </a:bodyPr>
+          <a:lstStyle/>
+          <a:p>
+            <a:pPr>
+              <a:lnSpc>
+                <a:spcPct val="107000"/>
+              </a:lnSpc>
+              <a:spcAft>
+                <a:spcPts val="800"/>
+              </a:spcAft>
+            </a:pPr>
+            <a:r>
+              <a:rPr lang="en-US" sz="1600" dirty="0" smtClean="0">
+                <a:latin typeface="Calibri" panose="020F0502020204030204" pitchFamily="34" charset="0"/>
+                <a:ea typeface="Calibri" panose="020F0502020204030204" pitchFamily="34" charset="0"/>
+                <a:cs typeface="Times New Roman" panose="02020603050405020304" pitchFamily="18" charset="0"/>
+              </a:rPr>
+              <a:t>I </a:t>
+            </a:r>
+            <a:r>
+              <a:rPr lang="en-US" sz="1600" dirty="0">
+                <a:latin typeface="Calibri" panose="020F0502020204030204" pitchFamily="34" charset="0"/>
+                <a:ea typeface="Calibri" panose="020F0502020204030204" pitchFamily="34" charset="0"/>
+                <a:cs typeface="Times New Roman" panose="02020603050405020304" pitchFamily="18" charset="0"/>
+              </a:rPr>
+              <a:t>found your simulator to be a great way to explore more recent sets in a draft </a:t>
+            </a:r>
+            <a:r>
+              <a:rPr lang="en-US" sz="1600" dirty="0" smtClean="0">
+                <a:latin typeface="Calibri" panose="020F0502020204030204" pitchFamily="34" charset="0"/>
+                <a:ea typeface="Calibri" panose="020F0502020204030204" pitchFamily="34" charset="0"/>
+                <a:cs typeface="Times New Roman" panose="02020603050405020304" pitchFamily="18" charset="0"/>
+              </a:rPr>
+              <a:t>format </a:t>
+            </a:r>
+            <a:r>
+              <a:rPr lang="en-US" sz="1600" dirty="0">
+                <a:latin typeface="Calibri" panose="020F0502020204030204" pitchFamily="34" charset="0"/>
+                <a:ea typeface="Calibri" panose="020F0502020204030204" pitchFamily="34" charset="0"/>
+                <a:cs typeface="Times New Roman" panose="02020603050405020304" pitchFamily="18" charset="0"/>
+              </a:rPr>
+              <a:t>and used it to prepare for a draft competition that I took my daughter to.</a:t>
+            </a:r>
+            <a:endParaRPr lang="en-US" sz="1100" dirty="0">
+              <a:latin typeface="Calibri" panose="020F0502020204030204" pitchFamily="34" charset="0"/>
+              <a:ea typeface="Calibri" panose="020F0502020204030204" pitchFamily="34" charset="0"/>
+              <a:cs typeface="Times New Roman" panose="02020603050405020304" pitchFamily="18" charset="0"/>
+            </a:endParaRPr>
+          </a:p>
+          <a:p>
+            <a:pPr>
+              <a:lnSpc>
+                <a:spcPct val="107000"/>
+              </a:lnSpc>
+              <a:spcAft>
+                <a:spcPts val="800"/>
+              </a:spcAft>
+            </a:pPr>
+            <a:r>
+              <a:rPr lang="en-US" sz="1600" dirty="0" smtClean="0">
+                <a:latin typeface="Calibri" panose="020F0502020204030204" pitchFamily="34" charset="0"/>
+                <a:ea typeface="Calibri" panose="020F0502020204030204" pitchFamily="34" charset="0"/>
+                <a:cs typeface="Times New Roman" panose="02020603050405020304" pitchFamily="18" charset="0"/>
+              </a:rPr>
+              <a:t>-</a:t>
+            </a:r>
+            <a:r>
+              <a:rPr lang="en-US" sz="1600" b="1" dirty="0">
+                <a:latin typeface="Calibri" panose="020F0502020204030204" pitchFamily="34" charset="0"/>
+                <a:ea typeface="Calibri" panose="020F0502020204030204" pitchFamily="34" charset="0"/>
+                <a:cs typeface="Times New Roman" panose="02020603050405020304" pitchFamily="18" charset="0"/>
+              </a:rPr>
+              <a:t>Chris</a:t>
+            </a:r>
+            <a:endParaRPr lang="en-US" sz="1100" b="1" dirty="0">
+              <a:effectLst/>
+              <a:latin typeface="Calibri" panose="020F0502020204030204" pitchFamily="34" charset="0"/>
+              <a:ea typeface="Calibri" panose="020F0502020204030204" pitchFamily="34" charset="0"/>
+              <a:cs typeface="Times New Roman" panose="02020603050405020304" pitchFamily="18" charset="0"/>
+            </a:endParaRPr>
+          </a:p>
+        </p:txBody>
+      </p:sp>
+      <p:pic>
+        <p:nvPicPr>
+          <p:cNvPr id="15" name="Picture 14"/>
+          <p:cNvPicPr>
+            <a:picLocks noChangeAspect="1"/>
+          </p:cNvPicPr>
+          <p:nvPr/>
+        </p:nvPicPr>
+        <p:blipFill>
+          <a:blip r:embed="rId5"/>
+          <a:stretch>
+            <a:fillRect/>
+          </a:stretch>
+        </p:blipFill>
+        <p:spPr>
+          <a:xfrm>
+            <a:off x="7039454" y="2249843"/>
+            <a:ext cx="4703397" cy="1696454"/>
+          </a:xfrm>
+          <a:prstGeom prst="rect">
+            <a:avLst/>
+          </a:prstGeom>
+        </p:spPr>
+      </p:pic>
+      <p:pic>
+        <p:nvPicPr>
+          <p:cNvPr id="17" name="Picture 16"/>
+          <p:cNvPicPr>
+            <a:picLocks noChangeAspect="1"/>
+          </p:cNvPicPr>
+          <p:nvPr/>
+        </p:nvPicPr>
+        <p:blipFill>
+          <a:blip r:embed="rId6"/>
+          <a:stretch>
+            <a:fillRect/>
+          </a:stretch>
+        </p:blipFill>
+        <p:spPr>
+          <a:xfrm>
+            <a:off x="7024407" y="4118115"/>
+            <a:ext cx="4508181" cy="1732950"/>
+          </a:xfrm>
+          <a:prstGeom prst="rect">
+            <a:avLst/>
+          </a:prstGeom>
+        </p:spPr>
+      </p:pic>
+    </p:spTree>
+    <p:extLst>
+      <p:ext uri="{BB962C8B-B14F-4D97-AF65-F5344CB8AC3E}">
+        <p14:creationId xmlns:p14="http://schemas.microsoft.com/office/powerpoint/2010/main" val="2794726873"/>
+      </p:ext>
+    </p:extLst>
+  </p:cSld>
+  <p:clrMapOvr>
+    <a:masterClrMapping/>
+  </p:clrMapOvr>
+</p:sld>
+</file>
+
+<file path=ppt/slides/slide3.xml><?xml version="1.0" encoding="utf-8"?>
+<p:sld xmlns:a="http://schemas.openxmlformats.org/drawingml/2006/main" xmlns:r="http://schemas.openxmlformats.org/officeDocument/2006/relationships" xmlns:p="http://schemas.openxmlformats.org/presentationml/2006/main">
+  <p:cSld>
+    <p:spTree>
+      <p:nvGrpSpPr>
+        <p:cNvPr id="1" name=""/>
+        <p:cNvGrpSpPr/>
+        <p:nvPr/>
+      </p:nvGrpSpPr>
+      <p:grpSpPr>
+        <a:xfrm>
+          <a:off x="0" y="0"/>
+          <a:ext cx="0" cy="0"/>
+          <a:chOff x="0" y="0"/>
+          <a:chExt cx="0" cy="0"/>
+        </a:xfrm>
+      </p:grpSpPr>
+      <p:pic>
+        <p:nvPicPr>
+          <p:cNvPr id="9" name="Picture 8">
+            <a:extLst>
+              <a:ext uri="{FF2B5EF4-FFF2-40B4-BE49-F238E27FC236}">
+                <a16:creationId xmlns:a16="http://schemas.microsoft.com/office/drawing/2014/main" xmlns="" id="{0B75BAC4-2C4F-4827-9591-8B3D3255401A}"/>
+              </a:ext>
+            </a:extLst>
+          </p:cNvPr>
+          <p:cNvPicPr>
+            <a:picLocks noChangeAspect="1"/>
+          </p:cNvPicPr>
+          <p:nvPr/>
+        </p:nvPicPr>
+        <p:blipFill>
+          <a:blip r:embed="rId2"/>
+          <a:stretch>
+            <a:fillRect/>
+          </a:stretch>
+        </p:blipFill>
+        <p:spPr>
+          <a:xfrm>
+            <a:off x="5817610" y="116031"/>
+            <a:ext cx="2634020" cy="1169182"/>
+          </a:xfrm>
+          <a:prstGeom prst="rect">
+            <a:avLst/>
+          </a:prstGeom>
+        </p:spPr>
+      </p:pic>
+      <p:pic>
+        <p:nvPicPr>
+          <p:cNvPr id="10" name="Picture 9">
+            <a:extLst>
+              <a:ext uri="{FF2B5EF4-FFF2-40B4-BE49-F238E27FC236}">
+                <a16:creationId xmlns:a16="http://schemas.microsoft.com/office/drawing/2014/main" xmlns="" id="{49E4437F-619B-406C-8678-6A030A9B1817}"/>
+              </a:ext>
+            </a:extLst>
+          </p:cNvPr>
+          <p:cNvPicPr>
+            <a:picLocks noChangeAspect="1"/>
+          </p:cNvPicPr>
+          <p:nvPr/>
+        </p:nvPicPr>
+        <p:blipFill>
+          <a:blip r:embed="rId3"/>
+          <a:stretch>
+            <a:fillRect/>
+          </a:stretch>
+        </p:blipFill>
+        <p:spPr>
+          <a:xfrm>
+            <a:off x="131707" y="310073"/>
+            <a:ext cx="5620331" cy="604689"/>
+          </a:xfrm>
+          <a:prstGeom prst="rect">
+            <a:avLst/>
+          </a:prstGeom>
+        </p:spPr>
+      </p:pic>
+      <p:pic>
+        <p:nvPicPr>
+          <p:cNvPr id="12" name="Picture 11">
+            <a:extLst>
+              <a:ext uri="{FF2B5EF4-FFF2-40B4-BE49-F238E27FC236}">
+                <a16:creationId xmlns:a16="http://schemas.microsoft.com/office/drawing/2014/main" xmlns="" id="{2A5265E6-FA0F-4F2C-9EE9-A221E6E0A707}"/>
+              </a:ext>
+            </a:extLst>
+          </p:cNvPr>
+          <p:cNvPicPr>
+            <a:picLocks noChangeAspect="1"/>
+          </p:cNvPicPr>
+          <p:nvPr/>
+        </p:nvPicPr>
+        <p:blipFill>
+          <a:blip r:embed="rId4"/>
+          <a:stretch>
+            <a:fillRect/>
+          </a:stretch>
+        </p:blipFill>
+        <p:spPr>
+          <a:xfrm>
+            <a:off x="131707" y="-3759606"/>
+            <a:ext cx="11963683" cy="4312995"/>
+          </a:xfrm>
+          <a:prstGeom prst="rect">
+            <a:avLst/>
+          </a:prstGeom>
+        </p:spPr>
+      </p:pic>
+      <p:pic>
+        <p:nvPicPr>
+          <p:cNvPr id="4" name="Picture 3"/>
+          <p:cNvPicPr>
+            <a:picLocks noChangeAspect="1"/>
+          </p:cNvPicPr>
+          <p:nvPr/>
+        </p:nvPicPr>
+        <p:blipFill>
+          <a:blip r:embed="rId5"/>
+          <a:stretch>
+            <a:fillRect/>
+          </a:stretch>
+        </p:blipFill>
+        <p:spPr>
+          <a:xfrm>
+            <a:off x="783935" y="2044116"/>
+            <a:ext cx="4639535" cy="793605"/>
+          </a:xfrm>
+          <a:prstGeom prst="rect">
+            <a:avLst/>
+          </a:prstGeom>
+        </p:spPr>
+      </p:pic>
+      <p:sp>
+        <p:nvSpPr>
+          <p:cNvPr id="13" name="Content Placeholder 2">
+            <a:extLst>
+              <a:ext uri="{FF2B5EF4-FFF2-40B4-BE49-F238E27FC236}">
+                <a16:creationId xmlns:a16="http://schemas.microsoft.com/office/drawing/2014/main" xmlns="" id="{582AA60C-0320-4E7B-8002-C5F0FFDC839B}"/>
+              </a:ext>
+            </a:extLst>
+          </p:cNvPr>
+          <p:cNvSpPr>
+            <a:spLocks noGrp="1"/>
+          </p:cNvSpPr>
+          <p:nvPr>
+            <p:ph idx="1"/>
+          </p:nvPr>
+        </p:nvSpPr>
+        <p:spPr>
+          <a:xfrm>
+            <a:off x="2942342" y="-106133"/>
+            <a:ext cx="7332949" cy="2179792"/>
+          </a:xfrm>
+        </p:spPr>
+        <p:txBody>
+          <a:bodyPr>
+            <a:normAutofit/>
+          </a:bodyPr>
+          <a:lstStyle/>
+          <a:p>
+            <a:pPr>
+              <a:buFont typeface="Arial" panose="020B0604020202020204" pitchFamily="34" charset="0"/>
+              <a:buChar char="•"/>
+            </a:pPr>
+            <a:r>
+              <a:rPr lang="en-US" sz="1900" b="1" dirty="0" smtClean="0"/>
+              <a:t> 250,000+</a:t>
+            </a:r>
+            <a:r>
+              <a:rPr lang="en-US" sz="1900" dirty="0" smtClean="0"/>
+              <a:t> </a:t>
+            </a:r>
+            <a:r>
+              <a:rPr lang="en-US" sz="1900" dirty="0"/>
+              <a:t>unique visitors from </a:t>
+            </a:r>
+            <a:r>
+              <a:rPr lang="en-US" sz="1900" b="1" dirty="0"/>
+              <a:t>170+</a:t>
+            </a:r>
+            <a:r>
+              <a:rPr lang="en-US" sz="1900" dirty="0"/>
+              <a:t> countries in 2017</a:t>
+            </a:r>
+          </a:p>
+          <a:p>
+            <a:pPr>
+              <a:buFont typeface="Arial" panose="020B0604020202020204" pitchFamily="34" charset="0"/>
+              <a:buChar char="•"/>
+            </a:pPr>
+            <a:r>
+              <a:rPr lang="en-US" sz="1900" b="1" dirty="0" smtClean="0"/>
+              <a:t> 1.6 </a:t>
+            </a:r>
+            <a:r>
+              <a:rPr lang="en-US" sz="1900" b="1" dirty="0"/>
+              <a:t>million </a:t>
+            </a:r>
+            <a:r>
+              <a:rPr lang="en-US" sz="1900" dirty="0" smtClean="0"/>
+              <a:t>sessions with average duration 12 minutes</a:t>
+            </a:r>
+          </a:p>
+          <a:p>
+            <a:pPr>
+              <a:buFont typeface="Arial" panose="020B0604020202020204" pitchFamily="34" charset="0"/>
+              <a:buChar char="•"/>
+            </a:pPr>
+            <a:r>
+              <a:rPr lang="en-US" sz="1900" dirty="0" smtClean="0"/>
+              <a:t> Loyal </a:t>
+            </a:r>
+            <a:r>
+              <a:rPr lang="en-US" sz="1900" dirty="0"/>
+              <a:t>and dedicated fanbase – only </a:t>
+            </a:r>
+            <a:r>
+              <a:rPr lang="en-US" sz="1900" b="1" dirty="0"/>
+              <a:t>16.01%</a:t>
+            </a:r>
+            <a:r>
+              <a:rPr lang="en-US" sz="1900" dirty="0"/>
+              <a:t> new </a:t>
+            </a:r>
+            <a:r>
+              <a:rPr lang="en-US" sz="1900" dirty="0" smtClean="0"/>
+              <a:t>sessions</a:t>
+            </a:r>
+            <a:endParaRPr lang="en-US" sz="1900" dirty="0"/>
+          </a:p>
+        </p:txBody>
+      </p:sp>
+      <p:sp>
+        <p:nvSpPr>
+          <p:cNvPr id="14" name="Title 1">
+            <a:extLst>
+              <a:ext uri="{FF2B5EF4-FFF2-40B4-BE49-F238E27FC236}">
+                <a16:creationId xmlns:a16="http://schemas.microsoft.com/office/drawing/2014/main" xmlns="" id="{9FE7747C-97C2-46BC-BE13-40595E1330B7}"/>
+              </a:ext>
+            </a:extLst>
+          </p:cNvPr>
+          <p:cNvSpPr>
+            <a:spLocks noGrp="1"/>
+          </p:cNvSpPr>
+          <p:nvPr>
+            <p:ph type="title"/>
+          </p:nvPr>
+        </p:nvSpPr>
+        <p:spPr>
+          <a:xfrm>
+            <a:off x="5318468" y="2035824"/>
+            <a:ext cx="1978159" cy="793605"/>
+          </a:xfrm>
+        </p:spPr>
+        <p:txBody>
+          <a:bodyPr>
+            <a:normAutofit/>
+          </a:bodyPr>
+          <a:lstStyle/>
+          <a:p>
+            <a:r>
+              <a:rPr lang="en-US" sz="4600" b="1" dirty="0" smtClean="0"/>
+              <a:t>Model</a:t>
+            </a:r>
+            <a:endParaRPr lang="en-US" sz="4600" b="1" dirty="0"/>
+          </a:p>
+        </p:txBody>
+      </p:sp>
+      <p:sp>
+        <p:nvSpPr>
+          <p:cNvPr id="2" name="Rectangle 1"/>
+          <p:cNvSpPr/>
+          <p:nvPr/>
+        </p:nvSpPr>
+        <p:spPr>
+          <a:xfrm>
+            <a:off x="8106246" y="2075222"/>
+            <a:ext cx="3340851" cy="1200329"/>
+          </a:xfrm>
+          <a:prstGeom prst="rect">
+            <a:avLst/>
+          </a:prstGeom>
+        </p:spPr>
+        <p:txBody>
+          <a:bodyPr wrap="none">
+            <a:spAutoFit/>
+          </a:bodyPr>
+          <a:lstStyle/>
+          <a:p>
+            <a:r>
+              <a:rPr lang="en-US" sz="2400" dirty="0" smtClean="0"/>
+              <a:t>Recommended Picks</a:t>
+            </a:r>
+          </a:p>
+          <a:p>
+            <a:r>
+              <a:rPr lang="en-US" sz="2400" dirty="0" smtClean="0"/>
+              <a:t>Automatic Deckbuilding</a:t>
+            </a:r>
+          </a:p>
+          <a:p>
+            <a:r>
+              <a:rPr lang="en-US" sz="2400" dirty="0" smtClean="0"/>
+              <a:t>Computer Opponents</a:t>
+            </a:r>
+            <a:endParaRPr lang="en-US" sz="2400" dirty="0"/>
+          </a:p>
+        </p:txBody>
+      </p:sp>
+      <p:sp>
+        <p:nvSpPr>
+          <p:cNvPr id="22" name="Rectangle 21"/>
+          <p:cNvSpPr/>
+          <p:nvPr/>
+        </p:nvSpPr>
+        <p:spPr>
+          <a:xfrm>
+            <a:off x="815976" y="3003029"/>
+            <a:ext cx="5319085" cy="461665"/>
+          </a:xfrm>
+          <a:prstGeom prst="rect">
+            <a:avLst/>
+          </a:prstGeom>
+        </p:spPr>
+        <p:txBody>
+          <a:bodyPr wrap="none">
+            <a:spAutoFit/>
+          </a:bodyPr>
+          <a:lstStyle/>
+          <a:p>
+            <a:r>
+              <a:rPr lang="en-US" sz="2400" dirty="0" smtClean="0"/>
+              <a:t>Card rating = base rating + color bonus</a:t>
+            </a:r>
+            <a:endParaRPr lang="en-US" sz="2400" dirty="0"/>
+          </a:p>
+        </p:txBody>
+      </p:sp>
+      <p:sp>
+        <p:nvSpPr>
+          <p:cNvPr id="21" name="Rectangle 20"/>
+          <p:cNvSpPr/>
+          <p:nvPr/>
+        </p:nvSpPr>
+        <p:spPr>
+          <a:xfrm>
+            <a:off x="2703999" y="3896182"/>
+            <a:ext cx="1630126" cy="646331"/>
+          </a:xfrm>
+          <a:prstGeom prst="rect">
+            <a:avLst/>
+          </a:prstGeom>
+        </p:spPr>
+        <p:txBody>
+          <a:bodyPr wrap="none">
+            <a:spAutoFit/>
+          </a:bodyPr>
+          <a:lstStyle/>
+          <a:p>
+            <a:pPr algn="ctr"/>
+            <a:r>
+              <a:rPr lang="en-US" dirty="0" smtClean="0"/>
+              <a:t>Professional</a:t>
+            </a:r>
+          </a:p>
+          <a:p>
+            <a:pPr algn="ctr"/>
+            <a:r>
+              <a:rPr lang="en-US" dirty="0" smtClean="0"/>
+              <a:t>pick order lists</a:t>
+            </a:r>
+          </a:p>
+        </p:txBody>
+      </p:sp>
+      <p:sp>
+        <p:nvSpPr>
+          <p:cNvPr id="34" name="Rectangle 33"/>
+          <p:cNvSpPr/>
+          <p:nvPr/>
+        </p:nvSpPr>
+        <p:spPr>
+          <a:xfrm>
+            <a:off x="4493374" y="3852919"/>
+            <a:ext cx="1398712" cy="707886"/>
+          </a:xfrm>
+          <a:prstGeom prst="rect">
+            <a:avLst/>
+          </a:prstGeom>
+        </p:spPr>
+        <p:txBody>
+          <a:bodyPr wrap="square">
+            <a:spAutoFit/>
+          </a:bodyPr>
+          <a:lstStyle/>
+          <a:p>
+            <a:pPr algn="ctr"/>
+            <a:r>
+              <a:rPr lang="en-US" sz="2000" dirty="0" smtClean="0"/>
+              <a:t>Two Stage Model</a:t>
+            </a:r>
+          </a:p>
+        </p:txBody>
+      </p:sp>
+      <p:grpSp>
+        <p:nvGrpSpPr>
+          <p:cNvPr id="1027" name="Group 1026"/>
+          <p:cNvGrpSpPr/>
+          <p:nvPr/>
+        </p:nvGrpSpPr>
+        <p:grpSpPr>
+          <a:xfrm>
+            <a:off x="1202803" y="3532535"/>
+            <a:ext cx="913148" cy="1264711"/>
+            <a:chOff x="918322" y="3568168"/>
+            <a:chExt cx="1523320" cy="2109799"/>
+          </a:xfrm>
+        </p:grpSpPr>
+        <p:pic>
+          <p:nvPicPr>
+            <p:cNvPr id="1026" name="Picture 2" descr="https://upload.wikimedia.org/wikipedia/en/thumb/a/aa/Magic_the_gathering-card_back.jpg/200px-Magic_the_gathering-card_back.jpg"/>
+            <p:cNvPicPr>
+              <a:picLocks noChangeAspect="1" noChangeArrowheads="1"/>
+            </p:cNvPicPr>
+            <p:nvPr/>
+          </p:nvPicPr>
+          <p:blipFill>
+            <a:blip r:embed="rId6">
+              <a:extLst>
+                <a:ext uri="{28A0092B-C50C-407E-A947-70E740481C1C}">
+                  <a14:useLocalDpi xmlns:a14="http://schemas.microsoft.com/office/drawing/2010/main" val="0"/>
+                </a:ext>
+              </a:extLst>
+            </a:blip>
+            <a:srcRect/>
+            <a:stretch>
+              <a:fillRect/>
+            </a:stretch>
+          </p:blipFill>
+          <p:spPr bwMode="auto">
+            <a:xfrm>
+              <a:off x="918322" y="3568168"/>
+              <a:ext cx="1523320" cy="2109799"/>
+            </a:xfrm>
+            <a:prstGeom prst="rect">
+              <a:avLst/>
+            </a:prstGeom>
+            <a:noFill/>
+            <a:extLst>
+              <a:ext uri="{909E8E84-426E-40DD-AFC4-6F175D3DCCD1}">
+                <a14:hiddenFill xmlns:a14="http://schemas.microsoft.com/office/drawing/2010/main">
+                  <a:solidFill>
+                    <a:srgbClr val="FFFFFF"/>
+                  </a:solidFill>
+                </a14:hiddenFill>
+              </a:ext>
+            </a:extLst>
+          </p:spPr>
+        </p:pic>
+        <p:sp>
+          <p:nvSpPr>
+            <p:cNvPr id="1025" name="Rectangle 1024"/>
+            <p:cNvSpPr/>
+            <p:nvPr/>
+          </p:nvSpPr>
+          <p:spPr>
+            <a:xfrm>
+              <a:off x="1215378" y="4392659"/>
+              <a:ext cx="929206" cy="687735"/>
+            </a:xfrm>
+            <a:prstGeom prst="rect">
+              <a:avLst/>
+            </a:prstGeom>
+            <a:solidFill>
+              <a:schemeClr val="bg1"/>
+            </a:solidFill>
+          </p:spPr>
+          <p:txBody>
+            <a:bodyPr wrap="square">
+              <a:spAutoFit/>
+            </a:bodyPr>
+            <a:lstStyle/>
+            <a:p>
+              <a:pPr algn="ctr"/>
+              <a:r>
+                <a:rPr lang="en-US" sz="2000" dirty="0" smtClean="0"/>
+                <a:t>3.5</a:t>
+              </a:r>
+              <a:endParaRPr lang="en-US" sz="2000" dirty="0"/>
+            </a:p>
+          </p:txBody>
+        </p:sp>
+      </p:grpSp>
+      <p:grpSp>
+        <p:nvGrpSpPr>
+          <p:cNvPr id="1032" name="Group 1031"/>
+          <p:cNvGrpSpPr/>
+          <p:nvPr/>
+        </p:nvGrpSpPr>
+        <p:grpSpPr>
+          <a:xfrm>
+            <a:off x="7222168" y="2266545"/>
+            <a:ext cx="884078" cy="804325"/>
+            <a:chOff x="7222168" y="2266545"/>
+            <a:chExt cx="884078" cy="804325"/>
+          </a:xfrm>
+        </p:grpSpPr>
+        <p:grpSp>
+          <p:nvGrpSpPr>
+            <p:cNvPr id="20" name="Group 19"/>
+            <p:cNvGrpSpPr/>
+            <p:nvPr/>
+          </p:nvGrpSpPr>
+          <p:grpSpPr>
+            <a:xfrm>
+              <a:off x="7222168" y="2266545"/>
+              <a:ext cx="884078" cy="375732"/>
+              <a:chOff x="7222168" y="2266545"/>
+              <a:chExt cx="884078" cy="375732"/>
+            </a:xfrm>
+          </p:grpSpPr>
+          <p:cxnSp>
+            <p:nvCxnSpPr>
+              <p:cNvPr id="5" name="Straight Arrow Connector 4"/>
+              <p:cNvCxnSpPr/>
+              <p:nvPr/>
+            </p:nvCxnSpPr>
+            <p:spPr>
+              <a:xfrm flipV="1">
+                <a:off x="7222168" y="2266545"/>
+                <a:ext cx="884078" cy="184409"/>
+              </a:xfrm>
+              <a:prstGeom prst="straightConnector1">
+                <a:avLst/>
+              </a:prstGeom>
+              <a:ln w="19050">
+                <a:tailEnd type="triangle"/>
+              </a:ln>
+            </p:spPr>
+            <p:style>
+              <a:lnRef idx="1">
+                <a:schemeClr val="accent1"/>
+              </a:lnRef>
+              <a:fillRef idx="0">
+                <a:schemeClr val="accent1"/>
+              </a:fillRef>
+              <a:effectRef idx="0">
+                <a:schemeClr val="accent1"/>
+              </a:effectRef>
+              <a:fontRef idx="minor">
+                <a:schemeClr val="tx1"/>
+              </a:fontRef>
+            </p:style>
+          </p:cxnSp>
+          <p:cxnSp>
+            <p:nvCxnSpPr>
+              <p:cNvPr id="16" name="Straight Arrow Connector 15"/>
+              <p:cNvCxnSpPr/>
+              <p:nvPr/>
+            </p:nvCxnSpPr>
+            <p:spPr>
+              <a:xfrm>
+                <a:off x="7222168" y="2447295"/>
+                <a:ext cx="884078" cy="194982"/>
+              </a:xfrm>
+              <a:prstGeom prst="straightConnector1">
+                <a:avLst/>
+              </a:prstGeom>
+              <a:ln w="19050">
+                <a:tailEnd type="triangle"/>
+              </a:ln>
+            </p:spPr>
+            <p:style>
+              <a:lnRef idx="1">
+                <a:schemeClr val="accent1"/>
+              </a:lnRef>
+              <a:fillRef idx="0">
+                <a:schemeClr val="accent1"/>
+              </a:fillRef>
+              <a:effectRef idx="0">
+                <a:schemeClr val="accent1"/>
+              </a:effectRef>
+              <a:fontRef idx="minor">
+                <a:schemeClr val="tx1"/>
+              </a:fontRef>
+            </p:style>
+          </p:cxnSp>
+        </p:grpSp>
+        <p:cxnSp>
+          <p:nvCxnSpPr>
+            <p:cNvPr id="42" name="Straight Arrow Connector 41"/>
+            <p:cNvCxnSpPr/>
+            <p:nvPr/>
+          </p:nvCxnSpPr>
+          <p:spPr>
+            <a:xfrm>
+              <a:off x="7222168" y="2454373"/>
+              <a:ext cx="884078" cy="616497"/>
+            </a:xfrm>
+            <a:prstGeom prst="straightConnector1">
+              <a:avLst/>
+            </a:prstGeom>
+            <a:ln w="19050">
+              <a:tailEnd type="triangle"/>
+            </a:ln>
+          </p:spPr>
+          <p:style>
+            <a:lnRef idx="1">
+              <a:schemeClr val="accent1"/>
+            </a:lnRef>
+            <a:fillRef idx="0">
+              <a:schemeClr val="accent1"/>
+            </a:fillRef>
+            <a:effectRef idx="0">
+              <a:schemeClr val="accent1"/>
+            </a:effectRef>
+            <a:fontRef idx="minor">
+              <a:schemeClr val="tx1"/>
+            </a:fontRef>
+          </p:style>
+        </p:cxnSp>
+      </p:grpSp>
+      <p:grpSp>
+        <p:nvGrpSpPr>
+          <p:cNvPr id="1045" name="Group 1044"/>
+          <p:cNvGrpSpPr/>
+          <p:nvPr/>
+        </p:nvGrpSpPr>
+        <p:grpSpPr>
+          <a:xfrm>
+            <a:off x="6199408" y="3748115"/>
+            <a:ext cx="4191261" cy="998541"/>
+            <a:chOff x="6667548" y="3601043"/>
+            <a:chExt cx="4191261" cy="998541"/>
+          </a:xfrm>
+        </p:grpSpPr>
+        <p:grpSp>
+          <p:nvGrpSpPr>
+            <p:cNvPr id="1041" name="Group 1040"/>
+            <p:cNvGrpSpPr/>
+            <p:nvPr/>
+          </p:nvGrpSpPr>
+          <p:grpSpPr>
+            <a:xfrm>
+              <a:off x="6667548" y="3601043"/>
+              <a:ext cx="2088004" cy="998541"/>
+              <a:chOff x="6762568" y="3641272"/>
+              <a:chExt cx="2088004" cy="998541"/>
+            </a:xfrm>
+          </p:grpSpPr>
+          <p:sp>
+            <p:nvSpPr>
+              <p:cNvPr id="1039" name="Rectangle 1038"/>
+              <p:cNvSpPr/>
+              <p:nvPr/>
+            </p:nvSpPr>
+            <p:spPr>
+              <a:xfrm>
+                <a:off x="6762568" y="3641272"/>
+                <a:ext cx="2083263" cy="461665"/>
+              </a:xfrm>
+              <a:prstGeom prst="rect">
+                <a:avLst/>
+              </a:prstGeom>
+            </p:spPr>
+            <p:txBody>
+              <a:bodyPr wrap="none">
+                <a:spAutoFit/>
+              </a:bodyPr>
+              <a:lstStyle/>
+              <a:p>
+                <a:r>
+                  <a:rPr lang="en-US" sz="2400" dirty="0" smtClean="0"/>
+                  <a:t>1. </a:t>
+                </a:r>
+                <a:r>
+                  <a:rPr lang="en-US" sz="2400" u="sng" dirty="0" smtClean="0"/>
+                  <a:t>Speculation</a:t>
+                </a:r>
+                <a:endParaRPr lang="en-US" sz="2400" u="sng" dirty="0"/>
+              </a:p>
+            </p:txBody>
+          </p:sp>
+          <p:sp>
+            <p:nvSpPr>
+              <p:cNvPr id="55" name="Rectangle 54"/>
+              <p:cNvSpPr/>
+              <p:nvPr/>
+            </p:nvSpPr>
+            <p:spPr>
+              <a:xfrm>
+                <a:off x="7099399" y="3993482"/>
+                <a:ext cx="1751173" cy="646331"/>
+              </a:xfrm>
+              <a:prstGeom prst="rect">
+                <a:avLst/>
+              </a:prstGeom>
+            </p:spPr>
+            <p:txBody>
+              <a:bodyPr wrap="square">
+                <a:spAutoFit/>
+              </a:bodyPr>
+              <a:lstStyle/>
+              <a:p>
+                <a:pPr algn="ctr"/>
+                <a:r>
+                  <a:rPr lang="en-US" dirty="0" smtClean="0"/>
+                  <a:t>Search for two open colors</a:t>
+                </a:r>
+              </a:p>
+            </p:txBody>
+          </p:sp>
+        </p:grpSp>
+        <p:grpSp>
+          <p:nvGrpSpPr>
+            <p:cNvPr id="1042" name="Group 1041"/>
+            <p:cNvGrpSpPr/>
+            <p:nvPr/>
+          </p:nvGrpSpPr>
+          <p:grpSpPr>
+            <a:xfrm>
+              <a:off x="8888705" y="3601043"/>
+              <a:ext cx="1970104" cy="994724"/>
+              <a:chOff x="9228622" y="3646823"/>
+              <a:chExt cx="1970104" cy="994724"/>
+            </a:xfrm>
+          </p:grpSpPr>
+          <p:sp>
+            <p:nvSpPr>
+              <p:cNvPr id="1040" name="Rectangle 1039"/>
+              <p:cNvSpPr/>
+              <p:nvPr/>
+            </p:nvSpPr>
+            <p:spPr>
+              <a:xfrm>
+                <a:off x="9228622" y="3646823"/>
+                <a:ext cx="1909497" cy="461665"/>
+              </a:xfrm>
+              <a:prstGeom prst="rect">
+                <a:avLst/>
+              </a:prstGeom>
+            </p:spPr>
+            <p:txBody>
+              <a:bodyPr wrap="none">
+                <a:spAutoFit/>
+              </a:bodyPr>
+              <a:lstStyle/>
+              <a:p>
+                <a:r>
+                  <a:rPr lang="en-US" sz="2400" dirty="0" smtClean="0"/>
+                  <a:t>2. </a:t>
+                </a:r>
+                <a:r>
+                  <a:rPr lang="en-US" sz="2400" u="sng" dirty="0" smtClean="0"/>
+                  <a:t>Committal</a:t>
+                </a:r>
+                <a:endParaRPr lang="en-US" sz="2400" u="sng" dirty="0"/>
+              </a:p>
+            </p:txBody>
+          </p:sp>
+          <p:sp>
+            <p:nvSpPr>
+              <p:cNvPr id="56" name="Rectangle 55"/>
+              <p:cNvSpPr/>
+              <p:nvPr/>
+            </p:nvSpPr>
+            <p:spPr>
+              <a:xfrm>
+                <a:off x="9447553" y="3995216"/>
+                <a:ext cx="1751173" cy="646331"/>
+              </a:xfrm>
+              <a:prstGeom prst="rect">
+                <a:avLst/>
+              </a:prstGeom>
+            </p:spPr>
+            <p:txBody>
+              <a:bodyPr wrap="square">
+                <a:spAutoFit/>
+              </a:bodyPr>
+              <a:lstStyle/>
+              <a:p>
+                <a:pPr algn="ctr"/>
+                <a:r>
+                  <a:rPr lang="en-US" dirty="0" smtClean="0"/>
+                  <a:t>Prioritize a two color pair</a:t>
+                </a:r>
+              </a:p>
+            </p:txBody>
+          </p:sp>
+        </p:grpSp>
+      </p:grpSp>
+      <p:grpSp>
+        <p:nvGrpSpPr>
+          <p:cNvPr id="1048" name="Group 1047"/>
+          <p:cNvGrpSpPr/>
+          <p:nvPr/>
+        </p:nvGrpSpPr>
+        <p:grpSpPr>
+          <a:xfrm>
+            <a:off x="10439623" y="3857157"/>
+            <a:ext cx="776532" cy="717098"/>
+            <a:chOff x="10597849" y="3630078"/>
+            <a:chExt cx="993895" cy="917825"/>
+          </a:xfrm>
+        </p:grpSpPr>
+        <p:pic>
+          <p:nvPicPr>
+            <p:cNvPr id="1046" name="Picture 4" descr="Image result for island magic origins"/>
+            <p:cNvPicPr>
+              <a:picLocks noChangeAspect="1" noChangeArrowheads="1"/>
+            </p:cNvPicPr>
+            <p:nvPr/>
+          </p:nvPicPr>
+          <p:blipFill>
+            <a:blip r:embed="rId7" cstate="print">
+              <a:extLst>
+                <a:ext uri="{28A0092B-C50C-407E-A947-70E740481C1C}">
+                  <a14:useLocalDpi xmlns:a14="http://schemas.microsoft.com/office/drawing/2010/main" val="0"/>
+                </a:ext>
+              </a:extLst>
+            </a:blip>
+            <a:srcRect/>
+            <a:stretch>
+              <a:fillRect/>
+            </a:stretch>
+          </p:blipFill>
+          <p:spPr bwMode="auto">
+            <a:xfrm>
+              <a:off x="10597849" y="3630078"/>
+              <a:ext cx="612586" cy="854324"/>
+            </a:xfrm>
+            <a:prstGeom prst="rect">
+              <a:avLst/>
+            </a:prstGeom>
+            <a:noFill/>
+            <a:extLst>
+              <a:ext uri="{909E8E84-426E-40DD-AFC4-6F175D3DCCD1}">
+                <a14:hiddenFill xmlns:a14="http://schemas.microsoft.com/office/drawing/2010/main">
+                  <a:solidFill>
+                    <a:srgbClr val="FFFFFF"/>
+                  </a:solidFill>
+                </a14:hiddenFill>
+              </a:ext>
+            </a:extLst>
+          </p:spPr>
+        </p:pic>
+        <p:pic>
+          <p:nvPicPr>
+            <p:cNvPr id="1047" name="Picture 6" descr="Image result for forst magic origins"/>
+            <p:cNvPicPr>
+              <a:picLocks noChangeAspect="1" noChangeArrowheads="1"/>
+            </p:cNvPicPr>
+            <p:nvPr/>
+          </p:nvPicPr>
+          <p:blipFill>
+            <a:blip r:embed="rId8" cstate="print">
+              <a:extLst>
+                <a:ext uri="{28A0092B-C50C-407E-A947-70E740481C1C}">
+                  <a14:useLocalDpi xmlns:a14="http://schemas.microsoft.com/office/drawing/2010/main" val="0"/>
+                </a:ext>
+              </a:extLst>
+            </a:blip>
+            <a:srcRect/>
+            <a:stretch>
+              <a:fillRect/>
+            </a:stretch>
+          </p:blipFill>
+          <p:spPr bwMode="auto">
+            <a:xfrm>
+              <a:off x="10975178" y="3688028"/>
+              <a:ext cx="616566" cy="859875"/>
+            </a:xfrm>
+            <a:prstGeom prst="rect">
+              <a:avLst/>
+            </a:prstGeom>
+            <a:noFill/>
+            <a:extLst>
+              <a:ext uri="{909E8E84-426E-40DD-AFC4-6F175D3DCCD1}">
+                <a14:hiddenFill xmlns:a14="http://schemas.microsoft.com/office/drawing/2010/main">
+                  <a:solidFill>
+                    <a:srgbClr val="FFFFFF"/>
+                  </a:solidFill>
+                </a14:hiddenFill>
+              </a:ext>
+            </a:extLst>
+          </p:spPr>
+        </p:pic>
+      </p:grpSp>
+      <p:cxnSp>
+        <p:nvCxnSpPr>
+          <p:cNvPr id="1054" name="Straight Arrow Connector 1053"/>
+          <p:cNvCxnSpPr/>
+          <p:nvPr/>
+        </p:nvCxnSpPr>
+        <p:spPr>
+          <a:xfrm>
+            <a:off x="3475518" y="3481466"/>
+            <a:ext cx="0" cy="438164"/>
+          </a:xfrm>
+          <a:prstGeom prst="straightConnector1">
+            <a:avLst/>
+          </a:prstGeom>
+          <a:ln>
+            <a:headEnd type="triangle"/>
+            <a:tailEnd type="triangle"/>
+          </a:ln>
+        </p:spPr>
+        <p:style>
+          <a:lnRef idx="1">
+            <a:schemeClr val="accent1"/>
+          </a:lnRef>
+          <a:fillRef idx="0">
+            <a:schemeClr val="accent1"/>
+          </a:fillRef>
+          <a:effectRef idx="0">
+            <a:schemeClr val="accent1"/>
+          </a:effectRef>
+          <a:fontRef idx="minor">
+            <a:schemeClr val="tx1"/>
+          </a:fontRef>
+        </p:style>
+      </p:cxnSp>
+      <p:cxnSp>
+        <p:nvCxnSpPr>
+          <p:cNvPr id="71" name="Straight Arrow Connector 70"/>
+          <p:cNvCxnSpPr/>
+          <p:nvPr/>
+        </p:nvCxnSpPr>
+        <p:spPr>
+          <a:xfrm>
+            <a:off x="5192730" y="3464694"/>
+            <a:ext cx="0" cy="431488"/>
+          </a:xfrm>
+          <a:prstGeom prst="straightConnector1">
+            <a:avLst/>
+          </a:prstGeom>
+          <a:ln>
+            <a:headEnd type="triangle"/>
+            <a:tailEnd type="triangle"/>
+          </a:ln>
+        </p:spPr>
+        <p:style>
+          <a:lnRef idx="1">
+            <a:schemeClr val="accent1"/>
+          </a:lnRef>
+          <a:fillRef idx="0">
+            <a:schemeClr val="accent1"/>
+          </a:fillRef>
+          <a:effectRef idx="0">
+            <a:schemeClr val="accent1"/>
+          </a:effectRef>
+          <a:fontRef idx="minor">
+            <a:schemeClr val="tx1"/>
+          </a:fontRef>
+        </p:style>
+      </p:cxnSp>
+      <p:cxnSp>
+        <p:nvCxnSpPr>
+          <p:cNvPr id="72" name="Straight Arrow Connector 71"/>
+          <p:cNvCxnSpPr/>
+          <p:nvPr/>
+        </p:nvCxnSpPr>
+        <p:spPr>
+          <a:xfrm>
+            <a:off x="8215994" y="4026773"/>
+            <a:ext cx="239247" cy="1"/>
+          </a:xfrm>
+          <a:prstGeom prst="straightConnector1">
+            <a:avLst/>
+          </a:prstGeom>
+          <a:ln w="19050">
+            <a:tailEnd type="triangle"/>
+          </a:ln>
+        </p:spPr>
+        <p:style>
+          <a:lnRef idx="1">
+            <a:schemeClr val="accent1"/>
+          </a:lnRef>
+          <a:fillRef idx="0">
+            <a:schemeClr val="accent1"/>
+          </a:fillRef>
+          <a:effectRef idx="0">
+            <a:schemeClr val="accent1"/>
+          </a:effectRef>
+          <a:fontRef idx="minor">
+            <a:schemeClr val="tx1"/>
+          </a:fontRef>
+        </p:style>
+      </p:cxnSp>
+      <p:cxnSp>
+        <p:nvCxnSpPr>
+          <p:cNvPr id="80" name="Straight Arrow Connector 79"/>
+          <p:cNvCxnSpPr/>
+          <p:nvPr/>
+        </p:nvCxnSpPr>
+        <p:spPr>
+          <a:xfrm flipV="1">
+            <a:off x="5843096" y="4010122"/>
+            <a:ext cx="351937" cy="1"/>
+          </a:xfrm>
+          <a:prstGeom prst="straightConnector1">
+            <a:avLst/>
+          </a:prstGeom>
+          <a:ln w="19050">
+            <a:tailEnd type="triangle"/>
+          </a:ln>
+        </p:spPr>
+        <p:style>
+          <a:lnRef idx="1">
+            <a:schemeClr val="accent1"/>
+          </a:lnRef>
+          <a:fillRef idx="0">
+            <a:schemeClr val="accent1"/>
+          </a:fillRef>
+          <a:effectRef idx="0">
+            <a:schemeClr val="accent1"/>
+          </a:effectRef>
+          <a:fontRef idx="minor">
+            <a:schemeClr val="tx1"/>
+          </a:fontRef>
+        </p:style>
+      </p:cxnSp>
+    </p:spTree>
+    <p:extLst>
+      <p:ext uri="{BB962C8B-B14F-4D97-AF65-F5344CB8AC3E}">
+        <p14:creationId xmlns:p14="http://schemas.microsoft.com/office/powerpoint/2010/main" val="4287046740"/>
+      </p:ext>
+    </p:extLst>
+  </p:cSld>
+  <p:clrMapOvr>
+    <a:masterClrMapping/>
+  </p:clrMapOvr>
+</p:sld>
+</file>
+
+<file path=ppt/slides/slide4.xml><?xml version="1.0" encoding="utf-8"?>
+<p:sld xmlns:a="http://schemas.openxmlformats.org/drawingml/2006/main" xmlns:r="http://schemas.openxmlformats.org/officeDocument/2006/relationships" xmlns:p="http://schemas.openxmlformats.org/presentationml/2006/main">
+  <p:cSld>
+    <p:spTree>
+      <p:nvGrpSpPr>
+        <p:cNvPr id="1" name=""/>
+        <p:cNvGrpSpPr/>
+        <p:nvPr/>
+      </p:nvGrpSpPr>
+      <p:grpSpPr>
+        <a:xfrm>
+          <a:off x="0" y="0"/>
+          <a:ext cx="0" cy="0"/>
+          <a:chOff x="0" y="0"/>
+          <a:chExt cx="0" cy="0"/>
+        </a:xfrm>
+      </p:grpSpPr>
+      <p:sp>
+        <p:nvSpPr>
+          <p:cNvPr id="2" name="Title 1"/>
+          <p:cNvSpPr>
+            <a:spLocks noGrp="1"/>
+          </p:cNvSpPr>
+          <p:nvPr>
+            <p:ph type="title"/>
+          </p:nvPr>
+        </p:nvSpPr>
+        <p:spPr/>
+        <p:txBody>
+          <a:bodyPr/>
+          <a:lstStyle/>
+          <a:p>
+            <a:endParaRPr lang="en-US" dirty="0"/>
+          </a:p>
+        </p:txBody>
+      </p:sp>
+      <p:sp>
+        <p:nvSpPr>
+          <p:cNvPr id="3" name="Content Placeholder 2"/>
+          <p:cNvSpPr>
+            <a:spLocks noGrp="1"/>
+          </p:cNvSpPr>
+          <p:nvPr>
+            <p:ph sz="half" idx="1"/>
+          </p:nvPr>
+        </p:nvSpPr>
+        <p:spPr/>
+        <p:txBody>
+          <a:bodyPr/>
+          <a:lstStyle/>
+          <a:p>
+            <a:endParaRPr lang="en-US"/>
+          </a:p>
+        </p:txBody>
+      </p:sp>
+      <p:sp>
+        <p:nvSpPr>
+          <p:cNvPr id="4" name="Content Placeholder 3"/>
+          <p:cNvSpPr>
+            <a:spLocks noGrp="1"/>
+          </p:cNvSpPr>
+          <p:nvPr>
+            <p:ph sz="half" idx="2"/>
+          </p:nvPr>
+        </p:nvSpPr>
+        <p:spPr/>
+        <p:txBody>
+          <a:bodyPr/>
+          <a:lstStyle/>
+          <a:p>
+            <a:endParaRPr lang="en-US"/>
+          </a:p>
+        </p:txBody>
+      </p:sp>
+    </p:spTree>
+    <p:extLst>
+      <p:ext uri="{BB962C8B-B14F-4D97-AF65-F5344CB8AC3E}">
+        <p14:creationId xmlns:p14="http://schemas.microsoft.com/office/powerpoint/2010/main" val="944768643"/>
+      </p:ext>
+    </p:extLst>
+  </p:cSld>
+  <p:clrMapOvr>
+    <a:masterClrMapping/>
+  </p:clrMapOvr>
+</p:sld>
+</file>
+
 <file path=ppt/theme/theme1.xml><?xml version="1.0" encoding="utf-8"?>
 <a:theme xmlns:a="http://schemas.openxmlformats.org/drawingml/2006/main" name="Retrospect">
   <a:themeElements>
